--- a/PERSONALIZED NUTRITION RECOMMENDATION ENGINE.pptx
+++ b/PERSONALIZED NUTRITION RECOMMENDATION ENGINE.pptx
@@ -209,7 +209,7 @@
           <a:p>
             <a:fld id="{078DDDEA-63BC-40A0-8BC0-D6413F38691F}" type="datetimeFigureOut">
               <a:rPr lang="en-US" smtClean="0"/>
-              <a:t>4/22/2025</a:t>
+              <a:t>6/4/2025</a:t>
             </a:fld>
             <a:endParaRPr lang="en-US" dirty="0"/>
           </a:p>
@@ -1506,7 +1506,7 @@
           <a:p>
             <a:fld id="{ED291B17-9318-49DB-B28B-6E5994AE9581}" type="datetime1">
               <a:rPr lang="en-US" smtClean="0"/>
-              <a:t>4/22/2025</a:t>
+              <a:t>6/4/2025</a:t>
             </a:fld>
             <a:endParaRPr lang="en-US" dirty="0"/>
           </a:p>
@@ -1887,7 +1887,7 @@
           <a:p>
             <a:fld id="{78DD82B9-B8EE-4375-B6FF-88FA6ABB15D9}" type="datetime1">
               <a:rPr lang="en-US" smtClean="0"/>
-              <a:t>4/22/2025</a:t>
+              <a:t>6/4/2025</a:t>
             </a:fld>
             <a:endParaRPr lang="en-US" dirty="0"/>
           </a:p>
@@ -2199,7 +2199,7 @@
           <a:p>
             <a:fld id="{B2497495-0637-405E-AE64-5CC7506D51F5}" type="datetime1">
               <a:rPr lang="en-US" smtClean="0"/>
-              <a:t>4/22/2025</a:t>
+              <a:t>6/4/2025</a:t>
             </a:fld>
             <a:endParaRPr lang="en-US" dirty="0"/>
           </a:p>
@@ -2452,7 +2452,7 @@
           <a:p>
             <a:fld id="{7BFFD690-9426-415D-8B65-26881E07B2D4}" type="datetime1">
               <a:rPr lang="en-US" smtClean="0"/>
-              <a:t>4/22/2025</a:t>
+              <a:t>6/4/2025</a:t>
             </a:fld>
             <a:endParaRPr lang="en-US" dirty="0"/>
           </a:p>
@@ -2874,7 +2874,7 @@
           <a:p>
             <a:fld id="{04C4989A-474C-40DE-95B9-011C28B71673}" type="datetime1">
               <a:rPr lang="en-US" smtClean="0"/>
-              <a:t>4/22/2025</a:t>
+              <a:t>6/4/2025</a:t>
             </a:fld>
             <a:endParaRPr lang="en-US" dirty="0"/>
           </a:p>
@@ -2997,7 +2997,7 @@
           <a:p>
             <a:fld id="{5DB4ED54-5B5E-4A04-93D3-5772E3CE3818}" type="datetime1">
               <a:rPr lang="en-US" smtClean="0"/>
-              <a:t>4/22/2025</a:t>
+              <a:t>6/4/2025</a:t>
             </a:fld>
             <a:endParaRPr lang="en-US" dirty="0"/>
           </a:p>
@@ -3092,7 +3092,7 @@
           <a:p>
             <a:fld id="{4EDE50D6-574B-40AF-946F-D52A04ADE379}" type="datetime1">
               <a:rPr lang="en-US" smtClean="0"/>
-              <a:t>4/22/2025</a:t>
+              <a:t>6/4/2025</a:t>
             </a:fld>
             <a:endParaRPr lang="en-US" dirty="0"/>
           </a:p>
@@ -3469,7 +3469,7 @@
           <a:p>
             <a:fld id="{D82884F1-FFEA-405F-9602-3DCA865EDA4E}" type="datetime1">
               <a:rPr lang="en-US" smtClean="0"/>
-              <a:t>4/22/2025</a:t>
+              <a:t>6/4/2025</a:t>
             </a:fld>
             <a:endParaRPr lang="en-US" dirty="0"/>
           </a:p>
@@ -3762,7 +3762,7 @@
           <a:p>
             <a:fld id="{7E18DB4A-8810-4A10-AD5C-D5E2C667F5B3}" type="datetime1">
               <a:rPr lang="en-US" smtClean="0"/>
-              <a:t>4/22/2025</a:t>
+              <a:t>6/4/2025</a:t>
             </a:fld>
             <a:endParaRPr lang="en-US" dirty="0"/>
           </a:p>
@@ -3977,7 +3977,7 @@
           <a:p>
             <a:fld id="{ED291B17-9318-49DB-B28B-6E5994AE9581}" type="datetime1">
               <a:rPr lang="en-US" smtClean="0"/>
-              <a:t>4/22/2025</a:t>
+              <a:t>6/4/2025</a:t>
             </a:fld>
             <a:endParaRPr lang="en-US" dirty="0"/>
           </a:p>
@@ -4757,163 +4757,6 @@
               </a:rPr>
               <a:t>NUTRIFY</a:t>
             </a:r>
-          </a:p>
-        </p:txBody>
-      </p:sp>
-      <p:sp>
-        <p:nvSpPr>
-          <p:cNvPr id="6" name="TextBox 5">
-            <a:extLst>
-              <a:ext uri="{FF2B5EF4-FFF2-40B4-BE49-F238E27FC236}">
-                <a16:creationId xmlns:a16="http://schemas.microsoft.com/office/drawing/2014/main" id="{9B35448F-F4A0-F912-1041-4148313B21CE}"/>
-              </a:ext>
-            </a:extLst>
-          </p:cNvPr>
-          <p:cNvSpPr txBox="1"/>
-          <p:nvPr/>
-        </p:nvSpPr>
-        <p:spPr>
-          <a:xfrm>
-            <a:off x="255638" y="5053781"/>
-            <a:ext cx="6056671" cy="1477328"/>
-          </a:xfrm>
-          <a:prstGeom prst="rect">
-            <a:avLst/>
-          </a:prstGeom>
-          <a:noFill/>
-        </p:spPr>
-        <p:txBody>
-          <a:bodyPr wrap="square" rtlCol="0">
-            <a:spAutoFit/>
-          </a:bodyPr>
-          <a:lstStyle/>
-          <a:p>
-            <a:r>
-              <a:rPr lang="en-US" dirty="0"/>
-              <a:t>TEAM MEMBERS:</a:t>
-            </a:r>
-          </a:p>
-          <a:p>
-            <a:pPr lvl="1"/>
-            <a:r>
-              <a:rPr lang="en-US" dirty="0"/>
-              <a:t>JASWANTH SARAVANAN     -CB.SC.U4AIE24324</a:t>
-            </a:r>
-          </a:p>
-          <a:p>
-            <a:pPr lvl="1"/>
-            <a:r>
-              <a:rPr lang="en-US" dirty="0"/>
-              <a:t>MAHAKISORE                      -CB.SC.U4AIE24333</a:t>
-            </a:r>
-          </a:p>
-          <a:p>
-            <a:pPr lvl="1"/>
-            <a:r>
-              <a:rPr lang="en-US" dirty="0"/>
-              <a:t>RAVISHANMUGAM              -CB.SC.U4AIE24347</a:t>
-            </a:r>
-          </a:p>
-          <a:p>
-            <a:pPr lvl="1"/>
-            <a:r>
-              <a:rPr lang="en-IN" dirty="0"/>
-              <a:t>SHARVESH SIVAGNANAM  </a:t>
-            </a:r>
-            <a:r>
-              <a:rPr lang="en-US" dirty="0"/>
-              <a:t>-CB.SC</a:t>
-            </a:r>
-            <a:r>
-              <a:rPr lang="en-US"/>
-              <a:t>.U4AIE24355</a:t>
-            </a:r>
-            <a:endParaRPr lang="en-IN" dirty="0"/>
-          </a:p>
-        </p:txBody>
-      </p:sp>
-      <p:pic>
-        <p:nvPicPr>
-          <p:cNvPr id="9" name="Picture 8">
-            <a:extLst>
-              <a:ext uri="{FF2B5EF4-FFF2-40B4-BE49-F238E27FC236}">
-                <a16:creationId xmlns:a16="http://schemas.microsoft.com/office/drawing/2014/main" id="{C286CB0D-A91B-EF3C-EEE4-5E0614C8D5F2}"/>
-              </a:ext>
-            </a:extLst>
-          </p:cNvPr>
-          <p:cNvPicPr>
-            <a:picLocks noChangeAspect="1"/>
-          </p:cNvPicPr>
-          <p:nvPr/>
-        </p:nvPicPr>
-        <p:blipFill>
-          <a:blip r:embed="rId3"/>
-          <a:stretch>
-            <a:fillRect/>
-          </a:stretch>
-        </p:blipFill>
-        <p:spPr>
-          <a:xfrm>
-            <a:off x="3692012" y="326891"/>
-            <a:ext cx="4807975" cy="1085551"/>
-          </a:xfrm>
-          <a:prstGeom prst="rect">
-            <a:avLst/>
-          </a:prstGeom>
-        </p:spPr>
-      </p:pic>
-      <p:sp>
-        <p:nvSpPr>
-          <p:cNvPr id="10" name="TextBox 9">
-            <a:extLst>
-              <a:ext uri="{FF2B5EF4-FFF2-40B4-BE49-F238E27FC236}">
-                <a16:creationId xmlns:a16="http://schemas.microsoft.com/office/drawing/2014/main" id="{EAD41561-47EF-5AC6-6CDD-916C59387833}"/>
-              </a:ext>
-            </a:extLst>
-          </p:cNvPr>
-          <p:cNvSpPr txBox="1"/>
-          <p:nvPr/>
-        </p:nvSpPr>
-        <p:spPr>
-          <a:xfrm>
-            <a:off x="2880852" y="1759974"/>
-            <a:ext cx="8681883" cy="646331"/>
-          </a:xfrm>
-          <a:prstGeom prst="rect">
-            <a:avLst/>
-          </a:prstGeom>
-          <a:noFill/>
-        </p:spPr>
-        <p:txBody>
-          <a:bodyPr wrap="square" rtlCol="0">
-            <a:spAutoFit/>
-          </a:bodyPr>
-          <a:lstStyle/>
-          <a:p>
-            <a:r>
-              <a:rPr lang="en-US" dirty="0"/>
-              <a:t>22AIE 111  -</a:t>
-            </a:r>
-            <a:r>
-              <a:rPr lang="en-US" sz="1800" b="1" i="0" u="none" strike="noStrike" baseline="0" dirty="0">
-                <a:latin typeface="TimesNewRomanPS-BoldMT"/>
-              </a:rPr>
-              <a:t>OBJECT ORIENTED PROGRAMMING IN JAVA</a:t>
-            </a:r>
-            <a:endParaRPr lang="en-US" dirty="0"/>
-          </a:p>
-          <a:p>
-            <a:r>
-              <a:rPr lang="en-US" dirty="0"/>
-              <a:t>22AIE 112  - </a:t>
-            </a:r>
-            <a:r>
-              <a:rPr lang="en-IN" sz="1800" b="1" i="0" u="none" strike="noStrike" baseline="0" dirty="0">
-                <a:latin typeface="TimesNewRomanPS-BoldMT"/>
-              </a:rPr>
-              <a:t>DATA STRUCTURES &amp; ALGORITHMS 1</a:t>
-            </a:r>
-            <a:endParaRPr lang="en-IN" dirty="0"/>
           </a:p>
         </p:txBody>
       </p:sp>
@@ -7916,12 +7759,12 @@
 </file>
 
 <file path=customXml/item1.xml><?xml version="1.0" encoding="utf-8"?>
-<?mso-contentType ?>
-<FormTemplates xmlns="http://schemas.microsoft.com/sharepoint/v3/contenttype/forms">
-  <Display>DocumentLibraryForm</Display>
-  <Edit>DocumentLibraryForm</Edit>
-  <New>DocumentLibraryForm</New>
-</FormTemplates>
+<p:properties xmlns:p="http://schemas.microsoft.com/office/2006/metadata/properties" xmlns:xsi="http://www.w3.org/2001/XMLSchema-instance" xmlns:pc="http://schemas.microsoft.com/office/infopath/2007/PartnerControls">
+  <documentManagement>
+    <Status xmlns="71af3243-3dd4-4a8d-8c0d-dd76da1f02a5">Not started</Status>
+    <MediaServiceKeyPoints xmlns="71af3243-3dd4-4a8d-8c0d-dd76da1f02a5" xsi:nil="true"/>
+  </documentManagement>
+</p:properties>
 </file>
 
 <file path=customXml/item2.xml><?xml version="1.0" encoding="utf-8"?>
@@ -8146,18 +7989,20 @@
 </file>
 
 <file path=customXml/item3.xml><?xml version="1.0" encoding="utf-8"?>
-<p:properties xmlns:p="http://schemas.microsoft.com/office/2006/metadata/properties" xmlns:xsi="http://www.w3.org/2001/XMLSchema-instance" xmlns:pc="http://schemas.microsoft.com/office/infopath/2007/PartnerControls">
-  <documentManagement>
-    <Status xmlns="71af3243-3dd4-4a8d-8c0d-dd76da1f02a5">Not started</Status>
-    <MediaServiceKeyPoints xmlns="71af3243-3dd4-4a8d-8c0d-dd76da1f02a5" xsi:nil="true"/>
-  </documentManagement>
-</p:properties>
+<?mso-contentType ?>
+<FormTemplates xmlns="http://schemas.microsoft.com/sharepoint/v3/contenttype/forms">
+  <Display>DocumentLibraryForm</Display>
+  <Edit>DocumentLibraryForm</Edit>
+  <New>DocumentLibraryForm</New>
+</FormTemplates>
 </file>
 
 <file path=customXml/itemProps1.xml><?xml version="1.0" encoding="utf-8"?>
-<ds:datastoreItem xmlns:ds="http://schemas.openxmlformats.org/officeDocument/2006/customXml" ds:itemID="{B116C154-5A0F-4CDC-8C15-D2E21584649C}">
+<ds:datastoreItem xmlns:ds="http://schemas.openxmlformats.org/officeDocument/2006/customXml" ds:itemID="{3A6D3478-2986-4664-940C-67E0CAA21E04}">
   <ds:schemaRefs>
-    <ds:schemaRef ds:uri="http://schemas.microsoft.com/sharepoint/v3/contenttype/forms"/>
+    <ds:schemaRef ds:uri="http://schemas.microsoft.com/office/2006/metadata/properties"/>
+    <ds:schemaRef ds:uri="http://schemas.microsoft.com/office/infopath/2007/PartnerControls"/>
+    <ds:schemaRef ds:uri="71af3243-3dd4-4a8d-8c0d-dd76da1f02a5"/>
   </ds:schemaRefs>
 </ds:datastoreItem>
 </file>
@@ -8182,11 +8027,9 @@
 </file>
 
 <file path=customXml/itemProps3.xml><?xml version="1.0" encoding="utf-8"?>
-<ds:datastoreItem xmlns:ds="http://schemas.openxmlformats.org/officeDocument/2006/customXml" ds:itemID="{3A6D3478-2986-4664-940C-67E0CAA21E04}">
+<ds:datastoreItem xmlns:ds="http://schemas.openxmlformats.org/officeDocument/2006/customXml" ds:itemID="{B116C154-5A0F-4CDC-8C15-D2E21584649C}">
   <ds:schemaRefs>
-    <ds:schemaRef ds:uri="http://schemas.microsoft.com/office/2006/metadata/properties"/>
-    <ds:schemaRef ds:uri="http://schemas.microsoft.com/office/infopath/2007/PartnerControls"/>
-    <ds:schemaRef ds:uri="71af3243-3dd4-4a8d-8c0d-dd76da1f02a5"/>
+    <ds:schemaRef ds:uri="http://schemas.microsoft.com/sharepoint/v3/contenttype/forms"/>
   </ds:schemaRefs>
 </ds:datastoreItem>
 </file>